--- a/collateral/render/playbook-brand-deck.pptx
+++ b/collateral/render/playbook-brand-deck.pptx
@@ -5911,7 +5911,7 @@
                 <a:ea typeface="Source Code Pro" pitchFamily="34" charset="-122"/>
                 <a:cs typeface="Source Code Pro" pitchFamily="34" charset="-120"/>
               </a:rPr>
-              <a:t>Free, confidential support 24/7 — [HELPLINE NUMBER]  •  [CHAT URL]</a:t>
+              <a:t>Free, confidential support 24/7 — 1-800-522-4700  •  www.ncpgambling.org/chat</a:t>
             </a:r>
             <a:endParaRPr lang="en-US" sz="1100" dirty="0"/>
           </a:p>
@@ -11532,7 +11532,7 @@
                 <a:ea typeface="Source Sans 3" pitchFamily="34" charset="-122"/>
                 <a:cs typeface="Source Sans 3" pitchFamily="34" charset="-120"/>
               </a:rPr>
-              <a:t>Set a budget</a:t>
+              <a:t>Specific behaviors — e.g. 'set a budget', 'know the odds', 'check your session'</a:t>
             </a:r>
             <a:endParaRPr lang="en-US" sz="1500" dirty="0"/>
           </a:p>
@@ -11571,7 +11571,7 @@
                 <a:ea typeface="Source Sans 3" pitchFamily="34" charset="-122"/>
                 <a:cs typeface="Source Sans 3" pitchFamily="34" charset="-120"/>
               </a:rPr>
-              <a:t>Responsible gambling</a:t>
+              <a:t>Responsible gambling' or 'smart play</a:t>
             </a:r>
             <a:endParaRPr lang="en-US" sz="1500" dirty="0"/>
           </a:p>
@@ -11630,7 +11630,7 @@
                 <a:ea typeface="Source Sans 3" pitchFamily="34" charset="-122"/>
                 <a:cs typeface="Source Sans 3" pitchFamily="34" charset="-120"/>
               </a:rPr>
-              <a:t>Know the odds</a:t>
+              <a:t>Tools / features</a:t>
             </a:r>
             <a:endParaRPr lang="en-US" sz="1500" dirty="0"/>
           </a:p>
@@ -11669,7 +11669,7 @@
                 <a:ea typeface="Source Sans 3" pitchFamily="34" charset="-122"/>
                 <a:cs typeface="Source Sans 3" pitchFamily="34" charset="-120"/>
               </a:rPr>
-              <a:t>Smart play</a:t>
+              <a:t>Interventions</a:t>
             </a:r>
             <a:endParaRPr lang="en-US" sz="1500" dirty="0"/>
           </a:p>
@@ -11708,7 +11708,7 @@
                 <a:ea typeface="Source Sans 3" pitchFamily="34" charset="-122"/>
                 <a:cs typeface="Source Sans 3" pitchFamily="34" charset="-120"/>
               </a:rPr>
-              <a:t>Tools / features</a:t>
+              <a:t>Check in</a:t>
             </a:r>
             <a:endParaRPr lang="en-US" sz="1500" dirty="0"/>
           </a:p>
@@ -11747,7 +11747,7 @@
                 <a:ea typeface="Source Sans 3" pitchFamily="34" charset="-122"/>
                 <a:cs typeface="Source Sans 3" pitchFamily="34" charset="-120"/>
               </a:rPr>
-              <a:t>Interventions / measures</a:t>
+              <a:t>Self-assess</a:t>
             </a:r>
             <a:endParaRPr lang="en-US" sz="1500" dirty="0"/>
           </a:p>
@@ -11806,7 +11806,7 @@
                 <a:ea typeface="Source Sans 3" pitchFamily="34" charset="-122"/>
                 <a:cs typeface="Source Sans 3" pitchFamily="34" charset="-120"/>
               </a:rPr>
-              <a:t>Check in</a:t>
+              <a:t>Take a break</a:t>
             </a:r>
             <a:endParaRPr lang="en-US" sz="1500" dirty="0"/>
           </a:p>
@@ -11845,7 +11845,7 @@
                 <a:ea typeface="Source Sans 3" pitchFamily="34" charset="-122"/>
                 <a:cs typeface="Source Sans 3" pitchFamily="34" charset="-120"/>
               </a:rPr>
-              <a:t>Self-assess</a:t>
+              <a:t>Self-exclude</a:t>
             </a:r>
             <a:endParaRPr lang="en-US" sz="1500" dirty="0"/>
           </a:p>
@@ -11884,7 +11884,7 @@
                 <a:ea typeface="Source Sans 3" pitchFamily="34" charset="-122"/>
                 <a:cs typeface="Source Sans 3" pitchFamily="34" charset="-120"/>
               </a:rPr>
-              <a:t>Take a break</a:t>
+              <a:t>Your limits</a:t>
             </a:r>
             <a:endParaRPr lang="en-US" sz="1500" dirty="0"/>
           </a:p>
@@ -11923,7 +11923,7 @@
                 <a:ea typeface="Source Sans 3" pitchFamily="34" charset="-122"/>
                 <a:cs typeface="Source Sans 3" pitchFamily="34" charset="-120"/>
               </a:rPr>
-              <a:t>Self-exclude</a:t>
+              <a:t>Restrictions</a:t>
             </a:r>
             <a:endParaRPr lang="en-US" sz="1500" dirty="0"/>
           </a:p>
@@ -11931,183 +11931,7 @@
       </p:sp>
       <p:sp>
         <p:nvSpPr>
-          <p:cNvPr id="26" name="Shape 24"/>
-          <p:cNvSpPr/>
-          <p:nvPr/>
-        </p:nvSpPr>
-        <p:spPr>
-          <a:xfrm>
-            <a:off x="548640" y="5257800"/>
-            <a:ext cx="11091672" cy="457200"/>
-          </a:xfrm>
-          <a:prstGeom prst="rect">
-            <a:avLst/>
-          </a:prstGeom>
-          <a:solidFill>
-            <a:srgbClr val="2A3F56"/>
-          </a:solidFill>
-          <a:ln/>
-        </p:spPr>
-      </p:sp>
-      <p:sp>
-        <p:nvSpPr>
-          <p:cNvPr id="27" name="Text 25"/>
-          <p:cNvSpPr/>
-          <p:nvPr/>
-        </p:nvSpPr>
-        <p:spPr>
-          <a:xfrm>
-            <a:off x="731520" y="5257800"/>
-            <a:ext cx="5029200" cy="457200"/>
-          </a:xfrm>
-          <a:prstGeom prst="rect">
-            <a:avLst/>
-          </a:prstGeom>
-          <a:noFill/>
-          <a:ln/>
-        </p:spPr>
-        <p:txBody>
-          <a:bodyPr wrap="square" rtlCol="0" anchor="ctr"/>
-          <a:lstStyle/>
-          <a:p>
-            <a:pPr indent="0" marL="0">
-              <a:buNone/>
-            </a:pPr>
-            <a:r>
-              <a:rPr lang="en-US" sz="1500" b="1" dirty="0">
-                <a:solidFill>
-                  <a:srgbClr val="FFFFFF"/>
-                </a:solidFill>
-                <a:latin typeface="Source Sans 3" pitchFamily="34" charset="0"/>
-                <a:ea typeface="Source Sans 3" pitchFamily="34" charset="-122"/>
-                <a:cs typeface="Source Sans 3" pitchFamily="34" charset="-120"/>
-              </a:rPr>
-              <a:t>Your limits</a:t>
-            </a:r>
-            <a:endParaRPr lang="en-US" sz="1500" dirty="0"/>
-          </a:p>
-        </p:txBody>
-      </p:sp>
-      <p:sp>
-        <p:nvSpPr>
-          <p:cNvPr id="28" name="Text 26"/>
-          <p:cNvSpPr/>
-          <p:nvPr/>
-        </p:nvSpPr>
-        <p:spPr>
-          <a:xfrm>
-            <a:off x="6400800" y="5257800"/>
-            <a:ext cx="5029200" cy="457200"/>
-          </a:xfrm>
-          <a:prstGeom prst="rect">
-            <a:avLst/>
-          </a:prstGeom>
-          <a:noFill/>
-          <a:ln/>
-        </p:spPr>
-        <p:txBody>
-          <a:bodyPr wrap="square" rtlCol="0" anchor="ctr"/>
-          <a:lstStyle/>
-          <a:p>
-            <a:pPr indent="0" marL="0">
-              <a:buNone/>
-            </a:pPr>
-            <a:r>
-              <a:rPr lang="en-US" sz="1500" strike="sngStrike" dirty="0">
-                <a:solidFill>
-                  <a:srgbClr val="6B6B8A"/>
-                </a:solidFill>
-                <a:latin typeface="Source Sans 3" pitchFamily="34" charset="0"/>
-                <a:ea typeface="Source Sans 3" pitchFamily="34" charset="-122"/>
-                <a:cs typeface="Source Sans 3" pitchFamily="34" charset="-120"/>
-              </a:rPr>
-              <a:t>Restrictions</a:t>
-            </a:r>
-            <a:endParaRPr lang="en-US" sz="1500" dirty="0"/>
-          </a:p>
-        </p:txBody>
-      </p:sp>
-      <p:sp>
-        <p:nvSpPr>
-          <p:cNvPr id="29" name="Text 27"/>
-          <p:cNvSpPr/>
-          <p:nvPr/>
-        </p:nvSpPr>
-        <p:spPr>
-          <a:xfrm>
-            <a:off x="731520" y="5760720"/>
-            <a:ext cx="5029200" cy="457200"/>
-          </a:xfrm>
-          <a:prstGeom prst="rect">
-            <a:avLst/>
-          </a:prstGeom>
-          <a:noFill/>
-          <a:ln/>
-        </p:spPr>
-        <p:txBody>
-          <a:bodyPr wrap="square" rtlCol="0" anchor="ctr"/>
-          <a:lstStyle/>
-          <a:p>
-            <a:pPr indent="0" marL="0">
-              <a:buNone/>
-            </a:pPr>
-            <a:r>
-              <a:rPr lang="en-US" sz="1500" b="1" dirty="0">
-                <a:solidFill>
-                  <a:srgbClr val="FFFFFF"/>
-                </a:solidFill>
-                <a:latin typeface="Source Sans 3" pitchFamily="34" charset="0"/>
-                <a:ea typeface="Source Sans 3" pitchFamily="34" charset="-122"/>
-                <a:cs typeface="Source Sans 3" pitchFamily="34" charset="-120"/>
-              </a:rPr>
-              <a:t>Entertainment budget</a:t>
-            </a:r>
-            <a:endParaRPr lang="en-US" sz="1500" dirty="0"/>
-          </a:p>
-        </p:txBody>
-      </p:sp>
-      <p:sp>
-        <p:nvSpPr>
-          <p:cNvPr id="30" name="Text 28"/>
-          <p:cNvSpPr/>
-          <p:nvPr/>
-        </p:nvSpPr>
-        <p:spPr>
-          <a:xfrm>
-            <a:off x="6400800" y="5760720"/>
-            <a:ext cx="5029200" cy="457200"/>
-          </a:xfrm>
-          <a:prstGeom prst="rect">
-            <a:avLst/>
-          </a:prstGeom>
-          <a:noFill/>
-          <a:ln/>
-        </p:spPr>
-        <p:txBody>
-          <a:bodyPr wrap="square" rtlCol="0" anchor="ctr"/>
-          <a:lstStyle/>
-          <a:p>
-            <a:pPr indent="0" marL="0">
-              <a:buNone/>
-            </a:pPr>
-            <a:r>
-              <a:rPr lang="en-US" sz="1500" strike="sngStrike" dirty="0">
-                <a:solidFill>
-                  <a:srgbClr val="6B6B8A"/>
-                </a:solidFill>
-                <a:latin typeface="Source Sans 3" pitchFamily="34" charset="0"/>
-                <a:ea typeface="Source Sans 3" pitchFamily="34" charset="-122"/>
-                <a:cs typeface="Source Sans 3" pitchFamily="34" charset="-120"/>
-              </a:rPr>
-              <a:t>Losses / spending</a:t>
-            </a:r>
-            <a:endParaRPr lang="en-US" sz="1500" dirty="0"/>
-          </a:p>
-        </p:txBody>
-      </p:sp>
-      <p:sp>
-        <p:nvSpPr>
-          <p:cNvPr id="31" name="Text 29"/>
+          <p:cNvPr id="26" name="Text 24"/>
           <p:cNvSpPr/>
           <p:nvPr/>
         </p:nvSpPr>
@@ -12467,7 +12291,7 @@
                 <a:ea typeface="Source Sans 3" pitchFamily="34" charset="-122"/>
                 <a:cs typeface="Source Sans 3" pitchFamily="34" charset="-120"/>
               </a:rPr>
-              <a:t>"Every game has math. Here's yours."</a:t>
+              <a:t>"The odds are public. Now you know them."</a:t>
             </a:r>
             <a:endParaRPr lang="en-US" sz="1700" dirty="0"/>
           </a:p>
@@ -12506,7 +12330,7 @@
                 <a:ea typeface="Source Sans 3" pitchFamily="34" charset="-122"/>
                 <a:cs typeface="Source Sans 3" pitchFamily="34" charset="-120"/>
               </a:rPr>
-              <a:t>"The odds are public. Now you know them."</a:t>
+              <a:t>"Every game has math. Here's yours."</a:t>
             </a:r>
             <a:endParaRPr lang="en-US" sz="1700" dirty="0"/>
           </a:p>
@@ -12606,7 +12430,7 @@
                 <a:ea typeface="Source Sans 3" pitchFamily="34" charset="-122"/>
                 <a:cs typeface="Source Sans 3" pitchFamily="34" charset="-120"/>
               </a:rPr>
-              <a:t>"Share the facts. Start a conversation."</a:t>
+              <a:t>"Share the facts."</a:t>
             </a:r>
             <a:endParaRPr lang="en-US" sz="1700" dirty="0"/>
           </a:p>
@@ -12684,7 +12508,7 @@
                 <a:ea typeface="Source Sans 3" pitchFamily="34" charset="-122"/>
                 <a:cs typeface="Source Sans 3" pitchFamily="34" charset="-120"/>
               </a:rPr>
-              <a:t>"How well do you really know the odds?"</a:t>
+              <a:t>"The best players know the game."</a:t>
             </a:r>
             <a:endParaRPr lang="en-US" sz="1700" dirty="0"/>
           </a:p>
@@ -12723,7 +12547,7 @@
                 <a:ea typeface="Source Sans 3" pitchFamily="34" charset="-122"/>
                 <a:cs typeface="Source Sans 3" pitchFamily="34" charset="-120"/>
               </a:rPr>
-              <a:t>"Worth sharing."</a:t>
+              <a:t>"How well do you really know the odds?"</a:t>
             </a:r>
             <a:endParaRPr lang="en-US" sz="1700" dirty="0"/>
           </a:p>
